--- a/Python/1. First-Steps-in-Coding/1. First-Steps-in-Coding.pptx
+++ b/Python/1. First-Steps-in-Coding/1. First-Steps-in-Coding.pptx
@@ -244,7 +244,7 @@
             <a:fld id="{FE5B4EDC-59C0-49C7-8ADA-5A781B329E02}" type="datetimeFigureOut">
               <a:rPr lang="en-US"/>
               <a:pPr/>
-              <a:t>2/20/2017</a:t>
+              <a:t>2/21/2017</a:t>
             </a:fld>
             <a:endParaRPr dirty="0"/>
           </a:p>
@@ -443,7 +443,7 @@
             <a:fld id="{F2D8D46A-B586-417D-BFBD-8C8FE0AAF762}" type="datetimeFigureOut">
               <a:rPr lang="en-US" smtClean="0"/>
               <a:pPr/>
-              <a:t>2/20/2017</a:t>
+              <a:t>2/21/2017</a:t>
             </a:fld>
             <a:endParaRPr lang="en-US"/>
           </a:p>
@@ -2600,7 +2600,7 @@
             <a:fld id="{055373AC-9AA7-423B-BA00-BA1C74164DBD}" type="datetime1">
               <a:rPr lang="en-US" smtClean="0"/>
               <a:pPr/>
-              <a:t>2/20/2017</a:t>
+              <a:t>2/21/2017</a:t>
             </a:fld>
             <a:endParaRPr lang="en-US" dirty="0"/>
           </a:p>
@@ -3767,7 +3767,7 @@
                 </a:solidFill>
               </a:rPr>
               <a:pPr/>
-              <a:t>2/20/2017</a:t>
+              <a:t>2/21/2017</a:t>
             </a:fld>
             <a:endParaRPr lang="en-US" dirty="0">
               <a:solidFill>
@@ -5049,7 +5049,7 @@
             <a:fld id="{055373AC-9AA7-423B-BA00-BA1C74164DBD}" type="datetime1">
               <a:rPr lang="en-US" smtClean="0"/>
               <a:pPr/>
-              <a:t>2/20/2017</a:t>
+              <a:t>2/21/2017</a:t>
             </a:fld>
             <a:endParaRPr lang="en-US" dirty="0"/>
           </a:p>
@@ -5682,7 +5682,7 @@
                 </a:solidFill>
               </a:rPr>
               <a:pPr/>
-              <a:t>2/20/2017</a:t>
+              <a:t>2/21/2017</a:t>
             </a:fld>
             <a:endParaRPr lang="en-US" dirty="0">
               <a:solidFill>
@@ -6338,11 +6338,7 @@
           <a:p>
             <a:r>
               <a:rPr lang="bg-BG" dirty="0" smtClean="0"/>
-              <a:t>Да напишем първата си програма </a:t>
-            </a:r>
-            <a:r>
-              <a:rPr lang="bg-BG" dirty="0" smtClean="0"/>
-              <a:t>с </a:t>
+              <a:t>Да напишем първата си програма с </a:t>
             </a:r>
             <a:r>
               <a:rPr lang="en-US" dirty="0" smtClean="0"/>
@@ -7352,22 +7348,21 @@
           </p:cNvPicPr>
           <p:nvPr/>
         </p:nvPicPr>
-        <p:blipFill>
-          <a:blip r:embed="rId3">
+        <p:blipFill rotWithShape="1">
+          <a:blip r:embed="rId3" cstate="print">
             <a:extLst>
               <a:ext uri="{28A0092B-C50C-407E-A947-70E740481C1C}">
                 <a14:useLocalDpi xmlns:a14="http://schemas.microsoft.com/office/drawing/2010/main" val="0"/>
               </a:ext>
             </a:extLst>
           </a:blip>
-          <a:stretch>
-            <a:fillRect/>
-          </a:stretch>
+          <a:srcRect/>
+          <a:stretch/>
         </p:blipFill>
         <p:spPr>
           <a:xfrm>
-            <a:off x="1217615" y="4214243"/>
-            <a:ext cx="10058394" cy="1671490"/>
+            <a:off x="2513012" y="4267200"/>
+            <a:ext cx="7543801" cy="1571628"/>
           </a:xfrm>
           <a:prstGeom prst="rect">
             <a:avLst/>
@@ -9549,11 +9544,7 @@
             </a:r>
             <a:r>
               <a:rPr lang="bg-BG" smtClean="0"/>
-              <a:t>програмка </a:t>
-            </a:r>
-            <a:r>
-              <a:rPr lang="bg-BG" smtClean="0"/>
-              <a:t>с </a:t>
+              <a:t>програмка с </a:t>
             </a:r>
             <a:r>
               <a:rPr lang="en-US" dirty="0" smtClean="0"/>

--- a/Python/1. First-Steps-in-Coding/1. First-Steps-in-Coding.pptx
+++ b/Python/1. First-Steps-in-Coding/1. First-Steps-in-Coding.pptx
@@ -244,7 +244,7 @@
             <a:fld id="{FE5B4EDC-59C0-49C7-8ADA-5A781B329E02}" type="datetimeFigureOut">
               <a:rPr lang="en-US"/>
               <a:pPr/>
-              <a:t>2/21/2017</a:t>
+              <a:t>2/28/2017</a:t>
             </a:fld>
             <a:endParaRPr dirty="0"/>
           </a:p>
@@ -443,7 +443,7 @@
             <a:fld id="{F2D8D46A-B586-417D-BFBD-8C8FE0AAF762}" type="datetimeFigureOut">
               <a:rPr lang="en-US" smtClean="0"/>
               <a:pPr/>
-              <a:t>2/21/2017</a:t>
+              <a:t>2/28/2017</a:t>
             </a:fld>
             <a:endParaRPr lang="en-US"/>
           </a:p>
@@ -2600,7 +2600,7 @@
             <a:fld id="{055373AC-9AA7-423B-BA00-BA1C74164DBD}" type="datetime1">
               <a:rPr lang="en-US" smtClean="0"/>
               <a:pPr/>
-              <a:t>2/21/2017</a:t>
+              <a:t>2/28/2017</a:t>
             </a:fld>
             <a:endParaRPr lang="en-US" dirty="0"/>
           </a:p>
@@ -3767,7 +3767,7 @@
                 </a:solidFill>
               </a:rPr>
               <a:pPr/>
-              <a:t>2/21/2017</a:t>
+              <a:t>2/28/2017</a:t>
             </a:fld>
             <a:endParaRPr lang="en-US" dirty="0">
               <a:solidFill>
@@ -5049,7 +5049,7 @@
             <a:fld id="{055373AC-9AA7-423B-BA00-BA1C74164DBD}" type="datetime1">
               <a:rPr lang="en-US" smtClean="0"/>
               <a:pPr/>
-              <a:t>2/21/2017</a:t>
+              <a:t>2/28/2017</a:t>
             </a:fld>
             <a:endParaRPr lang="en-US" dirty="0"/>
           </a:p>
@@ -5682,7 +5682,7 @@
                 </a:solidFill>
               </a:rPr>
               <a:pPr/>
-              <a:t>2/21/2017</a:t>
+              <a:t>2/28/2017</a:t>
             </a:fld>
             <a:endParaRPr lang="en-US" dirty="0">
               <a:solidFill>
@@ -6898,8 +6898,8 @@
         </p:blipFill>
         <p:spPr>
           <a:xfrm>
-            <a:off x="4332280" y="1891115"/>
-            <a:ext cx="7696200" cy="4090367"/>
+            <a:off x="4342852" y="1891115"/>
+            <a:ext cx="7675056" cy="4090367"/>
           </a:xfrm>
           <a:prstGeom prst="rect">
             <a:avLst/>
@@ -7140,7 +7140,7 @@
         <p:spPr>
           <a:xfrm>
             <a:off x="1522412" y="1895433"/>
-            <a:ext cx="8686800" cy="4629569"/>
+            <a:ext cx="8686800" cy="4629568"/>
           </a:xfrm>
           <a:prstGeom prst="rect">
             <a:avLst/>
@@ -7332,8 +7332,8 @@
         </p:blipFill>
         <p:spPr>
           <a:xfrm>
-            <a:off x="5316428" y="2085862"/>
-            <a:ext cx="1552792" cy="809738"/>
+            <a:off x="5342896" y="2085862"/>
+            <a:ext cx="1499855" cy="809738"/>
           </a:xfrm>
           <a:prstGeom prst="rect">
             <a:avLst/>
@@ -7545,7 +7545,7 @@
               </a:ext>
             </a:extLst>
           </a:blip>
-          <a:srcRect b="5828"/>
+          <a:srcRect/>
           <a:stretch/>
         </p:blipFill>
         <p:spPr>
@@ -7707,13 +7707,13 @@
               </a:ext>
             </a:extLst>
           </a:blip>
-          <a:srcRect/>
+          <a:srcRect t="29364" r="72727"/>
           <a:stretch/>
         </p:blipFill>
         <p:spPr>
           <a:xfrm>
-            <a:off x="2741612" y="1156926"/>
-            <a:ext cx="9220200" cy="990600"/>
+            <a:off x="7618412" y="856050"/>
+            <a:ext cx="2514600" cy="699726"/>
           </a:xfrm>
           <a:prstGeom prst="rect">
             <a:avLst/>
@@ -7736,7 +7736,7 @@
               </a:ext>
             </a:extLst>
           </a:blip>
-          <a:srcRect b="5828"/>
+          <a:srcRect/>
           <a:stretch/>
         </p:blipFill>
         <p:spPr>
@@ -11264,13 +11264,13 @@
               </a:ext>
             </a:extLst>
           </a:blip>
-          <a:srcRect/>
+          <a:srcRect t="24013" r="73619"/>
           <a:stretch/>
         </p:blipFill>
         <p:spPr>
           <a:xfrm>
-            <a:off x="287153" y="2286000"/>
-            <a:ext cx="11614520" cy="951988"/>
+            <a:off x="3114583" y="2286000"/>
+            <a:ext cx="5959659" cy="1407005"/>
           </a:xfrm>
           <a:prstGeom prst="rect">
             <a:avLst/>
@@ -11825,21 +11825,22 @@
           </p:cNvPicPr>
           <p:nvPr/>
         </p:nvPicPr>
-        <p:blipFill rotWithShape="1">
-          <a:blip r:embed="rId2" cstate="print">
+        <p:blipFill>
+          <a:blip r:embed="rId2">
             <a:extLst>
               <a:ext uri="{28A0092B-C50C-407E-A947-70E740481C1C}">
                 <a14:useLocalDpi xmlns:a14="http://schemas.microsoft.com/office/drawing/2010/main" val="0"/>
               </a:ext>
             </a:extLst>
           </a:blip>
-          <a:srcRect t="1" b="765"/>
-          <a:stretch/>
+          <a:stretch>
+            <a:fillRect/>
+          </a:stretch>
         </p:blipFill>
         <p:spPr>
           <a:xfrm>
-            <a:off x="5637212" y="1894347"/>
-            <a:ext cx="6287377" cy="1361301"/>
+            <a:off x="4951412" y="1618702"/>
+            <a:ext cx="6925652" cy="1145257"/>
           </a:xfrm>
           <a:prstGeom prst="rect">
             <a:avLst/>
@@ -11868,8 +11869,38 @@
         </p:blipFill>
         <p:spPr>
           <a:xfrm>
-            <a:off x="6231668" y="3818734"/>
-            <a:ext cx="5334744" cy="2238687"/>
+            <a:off x="6089682" y="3062608"/>
+            <a:ext cx="5505622" cy="1950508"/>
+          </a:xfrm>
+          <a:prstGeom prst="rect">
+            <a:avLst/>
+          </a:prstGeom>
+        </p:spPr>
+      </p:pic>
+      <p:pic>
+        <p:nvPicPr>
+          <p:cNvPr id="5" name="Картина 4"/>
+          <p:cNvPicPr>
+            <a:picLocks noChangeAspect="1"/>
+          </p:cNvPicPr>
+          <p:nvPr/>
+        </p:nvPicPr>
+        <p:blipFill>
+          <a:blip r:embed="rId4">
+            <a:extLst>
+              <a:ext uri="{28A0092B-C50C-407E-A947-70E740481C1C}">
+                <a14:useLocalDpi xmlns:a14="http://schemas.microsoft.com/office/drawing/2010/main" val="0"/>
+              </a:ext>
+            </a:extLst>
+          </a:blip>
+          <a:stretch>
+            <a:fillRect/>
+          </a:stretch>
+        </p:blipFill>
+        <p:spPr>
+          <a:xfrm>
+            <a:off x="7618412" y="5337891"/>
+            <a:ext cx="3009640" cy="1298620"/>
           </a:xfrm>
           <a:prstGeom prst="rect">
             <a:avLst/>
